--- a/Lecture/student_class_ppt_21_2/국방사이버보안_수업전_8강.pptx
+++ b/Lecture/student_class_ppt_21_2/국방사이버보안_수업전_8강.pptx
@@ -270,7 +270,7 @@
           <a:p>
             <a:fld id="{B1744219-2105-4AA9-95D4-700DB886B9DA}" type="datetimeFigureOut">
               <a:rPr lang="ko-KR" altLang="en-US" smtClean="0"/>
-              <a:t>2022-02-20</a:t>
+              <a:t>2022-04-19</a:t>
             </a:fld>
             <a:endParaRPr lang="ko-KR" altLang="en-US"/>
           </a:p>
@@ -468,7 +468,7 @@
           <a:p>
             <a:fld id="{B1744219-2105-4AA9-95D4-700DB886B9DA}" type="datetimeFigureOut">
               <a:rPr lang="ko-KR" altLang="en-US" smtClean="0"/>
-              <a:t>2022-02-20</a:t>
+              <a:t>2022-04-19</a:t>
             </a:fld>
             <a:endParaRPr lang="ko-KR" altLang="en-US"/>
           </a:p>
@@ -676,7 +676,7 @@
           <a:p>
             <a:fld id="{B1744219-2105-4AA9-95D4-700DB886B9DA}" type="datetimeFigureOut">
               <a:rPr lang="ko-KR" altLang="en-US" smtClean="0"/>
-              <a:t>2022-02-20</a:t>
+              <a:t>2022-04-19</a:t>
             </a:fld>
             <a:endParaRPr lang="ko-KR" altLang="en-US"/>
           </a:p>
@@ -874,7 +874,7 @@
           <a:p>
             <a:fld id="{B1744219-2105-4AA9-95D4-700DB886B9DA}" type="datetimeFigureOut">
               <a:rPr lang="ko-KR" altLang="en-US" smtClean="0"/>
-              <a:t>2022-02-20</a:t>
+              <a:t>2022-04-19</a:t>
             </a:fld>
             <a:endParaRPr lang="ko-KR" altLang="en-US"/>
           </a:p>
@@ -1149,7 +1149,7 @@
           <a:p>
             <a:fld id="{B1744219-2105-4AA9-95D4-700DB886B9DA}" type="datetimeFigureOut">
               <a:rPr lang="ko-KR" altLang="en-US" smtClean="0"/>
-              <a:t>2022-02-20</a:t>
+              <a:t>2022-04-19</a:t>
             </a:fld>
             <a:endParaRPr lang="ko-KR" altLang="en-US"/>
           </a:p>
@@ -1414,7 +1414,7 @@
           <a:p>
             <a:fld id="{B1744219-2105-4AA9-95D4-700DB886B9DA}" type="datetimeFigureOut">
               <a:rPr lang="ko-KR" altLang="en-US" smtClean="0"/>
-              <a:t>2022-02-20</a:t>
+              <a:t>2022-04-19</a:t>
             </a:fld>
             <a:endParaRPr lang="ko-KR" altLang="en-US"/>
           </a:p>
@@ -1826,7 +1826,7 @@
           <a:p>
             <a:fld id="{B1744219-2105-4AA9-95D4-700DB886B9DA}" type="datetimeFigureOut">
               <a:rPr lang="ko-KR" altLang="en-US" smtClean="0"/>
-              <a:t>2022-02-20</a:t>
+              <a:t>2022-04-19</a:t>
             </a:fld>
             <a:endParaRPr lang="ko-KR" altLang="en-US"/>
           </a:p>
@@ -1967,7 +1967,7 @@
           <a:p>
             <a:fld id="{B1744219-2105-4AA9-95D4-700DB886B9DA}" type="datetimeFigureOut">
               <a:rPr lang="ko-KR" altLang="en-US" smtClean="0"/>
-              <a:t>2022-02-20</a:t>
+              <a:t>2022-04-19</a:t>
             </a:fld>
             <a:endParaRPr lang="ko-KR" altLang="en-US"/>
           </a:p>
@@ -2080,7 +2080,7 @@
           <a:p>
             <a:fld id="{B1744219-2105-4AA9-95D4-700DB886B9DA}" type="datetimeFigureOut">
               <a:rPr lang="ko-KR" altLang="en-US" smtClean="0"/>
-              <a:t>2022-02-20</a:t>
+              <a:t>2022-04-19</a:t>
             </a:fld>
             <a:endParaRPr lang="ko-KR" altLang="en-US"/>
           </a:p>
@@ -2391,7 +2391,7 @@
           <a:p>
             <a:fld id="{B1744219-2105-4AA9-95D4-700DB886B9DA}" type="datetimeFigureOut">
               <a:rPr lang="ko-KR" altLang="en-US" smtClean="0"/>
-              <a:t>2022-02-20</a:t>
+              <a:t>2022-04-19</a:t>
             </a:fld>
             <a:endParaRPr lang="ko-KR" altLang="en-US"/>
           </a:p>
@@ -2679,7 +2679,7 @@
           <a:p>
             <a:fld id="{B1744219-2105-4AA9-95D4-700DB886B9DA}" type="datetimeFigureOut">
               <a:rPr lang="ko-KR" altLang="en-US" smtClean="0"/>
-              <a:t>2022-02-20</a:t>
+              <a:t>2022-04-19</a:t>
             </a:fld>
             <a:endParaRPr lang="ko-KR" altLang="en-US"/>
           </a:p>
@@ -2920,7 +2920,7 @@
           <a:p>
             <a:fld id="{B1744219-2105-4AA9-95D4-700DB886B9DA}" type="datetimeFigureOut">
               <a:rPr lang="ko-KR" altLang="en-US" smtClean="0"/>
-              <a:t>2022-02-20</a:t>
+              <a:t>2022-04-19</a:t>
             </a:fld>
             <a:endParaRPr lang="ko-KR" altLang="en-US"/>
           </a:p>
@@ -10656,7 +10656,23 @@
                     <a:srgbClr val="2E75B6"/>
                   </a:solidFill>
                 </a:rPr>
-                <a:t>awk_test</a:t>
+                <a:t>awk</a:t>
+              </a:r>
+              <a:r>
+                <a:rPr lang="en-US" altLang="ko-KR" sz="1100" err="1">
+                  <a:solidFill>
+                    <a:srgbClr val="2E75B6"/>
+                  </a:solidFill>
+                </a:rPr>
+                <a:t>_</a:t>
+              </a:r>
+              <a:r>
+                <a:rPr lang="en-US" altLang="ko-KR" sz="1100">
+                  <a:solidFill>
+                    <a:srgbClr val="2E75B6"/>
+                  </a:solidFill>
+                </a:rPr>
+                <a:t>test.txt</a:t>
               </a:r>
               <a:endParaRPr lang="en-US" altLang="ko-KR" sz="1100" dirty="0">
                 <a:solidFill>
@@ -11017,7 +11033,23 @@
                     <a:srgbClr val="2E75B6"/>
                   </a:solidFill>
                 </a:rPr>
-                <a:t>awk_test</a:t>
+                <a:t>awk</a:t>
+              </a:r>
+              <a:r>
+                <a:rPr lang="en-US" altLang="ko-KR" sz="1100" err="1">
+                  <a:solidFill>
+                    <a:srgbClr val="2E75B6"/>
+                  </a:solidFill>
+                </a:rPr>
+                <a:t>_</a:t>
+              </a:r>
+              <a:r>
+                <a:rPr lang="en-US" altLang="ko-KR" sz="1100">
+                  <a:solidFill>
+                    <a:srgbClr val="2E75B6"/>
+                  </a:solidFill>
+                </a:rPr>
+                <a:t>test.txt </a:t>
               </a:r>
               <a:r>
                 <a:rPr lang="en-US" altLang="ko-KR" sz="1100" dirty="0">
@@ -11025,7 +11057,7 @@
                     <a:srgbClr val="2E75B6"/>
                   </a:solidFill>
                 </a:rPr>
-                <a:t> | awk -F ":" '{print $1}’</a:t>
+                <a:t>| awk -F ":" '{print $1}’</a:t>
               </a:r>
             </a:p>
             <a:p>
@@ -11064,7 +11096,23 @@
                     <a:srgbClr val="2E75B6"/>
                   </a:solidFill>
                 </a:rPr>
-                <a:t>awk_test</a:t>
+                <a:t>awk</a:t>
+              </a:r>
+              <a:r>
+                <a:rPr lang="en-US" altLang="ko-KR" sz="1100" err="1">
+                  <a:solidFill>
+                    <a:srgbClr val="2E75B6"/>
+                  </a:solidFill>
+                </a:rPr>
+                <a:t>_</a:t>
+              </a:r>
+              <a:r>
+                <a:rPr lang="en-US" altLang="ko-KR" sz="1100">
+                  <a:solidFill>
+                    <a:srgbClr val="2E75B6"/>
+                  </a:solidFill>
+                </a:rPr>
+                <a:t>test.txt </a:t>
               </a:r>
               <a:r>
                 <a:rPr lang="en-US" altLang="ko-KR" sz="1100" dirty="0">
@@ -11072,7 +11120,7 @@
                     <a:srgbClr val="2E75B6"/>
                   </a:solidFill>
                 </a:rPr>
-                <a:t> | awk -F ":" '{print $2}’</a:t>
+                <a:t>| awk -F ":" '{print $2}’</a:t>
               </a:r>
             </a:p>
             <a:p>
@@ -11111,7 +11159,23 @@
                     <a:srgbClr val="2E75B6"/>
                   </a:solidFill>
                 </a:rPr>
-                <a:t>awk_test</a:t>
+                <a:t>awk</a:t>
+              </a:r>
+              <a:r>
+                <a:rPr lang="en-US" altLang="ko-KR" sz="1100" err="1">
+                  <a:solidFill>
+                    <a:srgbClr val="2E75B6"/>
+                  </a:solidFill>
+                </a:rPr>
+                <a:t>_</a:t>
+              </a:r>
+              <a:r>
+                <a:rPr lang="en-US" altLang="ko-KR" sz="1100">
+                  <a:solidFill>
+                    <a:srgbClr val="2E75B6"/>
+                  </a:solidFill>
+                </a:rPr>
+                <a:t>test.txt </a:t>
               </a:r>
               <a:r>
                 <a:rPr lang="en-US" altLang="ko-KR" sz="1100" dirty="0">
@@ -11119,7 +11183,7 @@
                     <a:srgbClr val="2E75B6"/>
                   </a:solidFill>
                 </a:rPr>
-                <a:t> | awk -F ":" '{print $3}’</a:t>
+                <a:t>| awk -F ":" '{print $3}’</a:t>
               </a:r>
             </a:p>
             <a:p>
